--- a/DSO-530 Final Project.pptx
+++ b/DSO-530 Final Project.pptx
@@ -8311,11 +8311,6 @@
               </a:rPr>
               <a:t>Model</a:t>
             </a:r>
-            <a:endParaRPr lang="en-US" altLang="zh-CN" dirty="0" smtClean="0">
-              <a:solidFill>
-                <a:srgbClr val="056887"/>
-              </a:solidFill>
-            </a:endParaRPr>
           </a:p>
           <a:p>
             <a:endParaRPr lang="en-US" altLang="zh-CN" sz="3200" dirty="0" smtClean="0">
@@ -9967,15 +9962,7 @@
                   <a:srgbClr val="056887"/>
                 </a:solidFill>
               </a:rPr>
-              <a:t>Cross</a:t>
-            </a:r>
-            <a:r>
-              <a:rPr lang="en-US" altLang="zh-CN" sz="2400" dirty="0" smtClean="0">
-                <a:solidFill>
-                  <a:srgbClr val="056887"/>
-                </a:solidFill>
-              </a:rPr>
-              <a:t>-analysis</a:t>
+              <a:t>Cross-analysis</a:t>
             </a:r>
             <a:r>
               <a:rPr lang="zh-CN" altLang="en-US" sz="2400" dirty="0" smtClean="0">
@@ -15029,15 +15016,7 @@
                   <a:srgbClr val="056887"/>
                 </a:solidFill>
               </a:rPr>
-              <a:t>th</a:t>
-            </a:r>
-            <a:r>
-              <a:rPr lang="en-US" altLang="zh-CN" dirty="0" smtClean="0">
-                <a:solidFill>
-                  <a:srgbClr val="056887"/>
-                </a:solidFill>
-              </a:rPr>
-              <a:t>e</a:t>
+              <a:t>the</a:t>
             </a:r>
             <a:r>
               <a:rPr lang="zh-CN" altLang="en-US" dirty="0" smtClean="0">
@@ -16244,15 +16223,7 @@
                   <a:srgbClr val="056887"/>
                 </a:solidFill>
               </a:rPr>
-              <a:t>score</a:t>
-            </a:r>
-            <a:r>
-              <a:rPr lang="en-US" altLang="zh-CN" dirty="0" smtClean="0">
-                <a:solidFill>
-                  <a:srgbClr val="056887"/>
-                </a:solidFill>
-              </a:rPr>
-              <a:t>.</a:t>
+              <a:t>score.</a:t>
             </a:r>
           </a:p>
           <a:p>
@@ -16556,11 +16527,6 @@
               </a:rPr>
               <a:t>variable.</a:t>
             </a:r>
-            <a:endParaRPr lang="en-US" altLang="zh-CN" dirty="0" smtClean="0">
-              <a:solidFill>
-                <a:srgbClr val="056887"/>
-              </a:solidFill>
-            </a:endParaRPr>
           </a:p>
           <a:p>
             <a:pPr marL="342900" indent="-342900">
@@ -17297,15 +17263,7 @@
                   <a:srgbClr val="056887"/>
                 </a:solidFill>
               </a:rPr>
-              <a:t> </a:t>
-            </a:r>
-            <a:r>
-              <a:rPr lang="en-US" dirty="0" smtClean="0">
-                <a:solidFill>
-                  <a:srgbClr val="056887"/>
-                </a:solidFill>
-              </a:rPr>
-              <a:t>score and gross</a:t>
+              <a:t> score and gross</a:t>
             </a:r>
           </a:p>
           <a:p>

--- a/DSO-530 Final Project.pptx
+++ b/DSO-530 Final Project.pptx
@@ -223,7 +223,7 @@
           <a:p>
             <a:fld id="{7A468C07-0365-3D4F-87F9-091C0F7A7BA0}" type="datetimeFigureOut">
               <a:rPr lang="en-US" smtClean="0"/>
-              <a:t>11/28/2017</a:t>
+              <a:t>11/28/17</a:t>
             </a:fld>
             <a:endParaRPr lang="en-US"/>
           </a:p>
@@ -1953,7 +1953,7 @@
           <a:p>
             <a:fld id="{97CDF0AD-D920-438C-ADA9-2E79635E5003}" type="datetimeFigureOut">
               <a:rPr lang="en-US" smtClean="0"/>
-              <a:t>11/28/2017</a:t>
+              <a:t>11/28/17</a:t>
             </a:fld>
             <a:endParaRPr lang="en-US"/>
           </a:p>
@@ -2121,7 +2121,7 @@
           <a:p>
             <a:fld id="{97CDF0AD-D920-438C-ADA9-2E79635E5003}" type="datetimeFigureOut">
               <a:rPr lang="en-US" smtClean="0"/>
-              <a:t>11/28/2017</a:t>
+              <a:t>11/28/17</a:t>
             </a:fld>
             <a:endParaRPr lang="en-US"/>
           </a:p>
@@ -2299,7 +2299,7 @@
           <a:p>
             <a:fld id="{97CDF0AD-D920-438C-ADA9-2E79635E5003}" type="datetimeFigureOut">
               <a:rPr lang="en-US" smtClean="0"/>
-              <a:t>11/28/2017</a:t>
+              <a:t>11/28/17</a:t>
             </a:fld>
             <a:endParaRPr lang="en-US"/>
           </a:p>
@@ -2481,7 +2481,7 @@
           <a:p>
             <a:fld id="{97CDF0AD-D920-438C-ADA9-2E79635E5003}" type="datetimeFigureOut">
               <a:rPr lang="en-US" smtClean="0"/>
-              <a:t>11/28/2017</a:t>
+              <a:t>11/28/17</a:t>
             </a:fld>
             <a:endParaRPr lang="en-US"/>
           </a:p>
@@ -2726,7 +2726,7 @@
           <a:p>
             <a:fld id="{97CDF0AD-D920-438C-ADA9-2E79635E5003}" type="datetimeFigureOut">
               <a:rPr lang="en-US" smtClean="0"/>
-              <a:t>11/28/2017</a:t>
+              <a:t>11/28/17</a:t>
             </a:fld>
             <a:endParaRPr lang="en-US"/>
           </a:p>
@@ -2955,7 +2955,7 @@
           <a:p>
             <a:fld id="{97CDF0AD-D920-438C-ADA9-2E79635E5003}" type="datetimeFigureOut">
               <a:rPr lang="en-US" smtClean="0"/>
-              <a:t>11/28/2017</a:t>
+              <a:t>11/28/17</a:t>
             </a:fld>
             <a:endParaRPr lang="en-US"/>
           </a:p>
@@ -3319,7 +3319,7 @@
           <a:p>
             <a:fld id="{97CDF0AD-D920-438C-ADA9-2E79635E5003}" type="datetimeFigureOut">
               <a:rPr lang="en-US" smtClean="0"/>
-              <a:t>11/28/2017</a:t>
+              <a:t>11/28/17</a:t>
             </a:fld>
             <a:endParaRPr lang="en-US"/>
           </a:p>
@@ -3436,7 +3436,7 @@
           <a:p>
             <a:fld id="{97CDF0AD-D920-438C-ADA9-2E79635E5003}" type="datetimeFigureOut">
               <a:rPr lang="en-US" smtClean="0"/>
-              <a:t>11/28/2017</a:t>
+              <a:t>11/28/17</a:t>
             </a:fld>
             <a:endParaRPr lang="en-US"/>
           </a:p>
@@ -3531,7 +3531,7 @@
           <a:p>
             <a:fld id="{97CDF0AD-D920-438C-ADA9-2E79635E5003}" type="datetimeFigureOut">
               <a:rPr lang="en-US" smtClean="0"/>
-              <a:t>11/28/2017</a:t>
+              <a:t>11/28/17</a:t>
             </a:fld>
             <a:endParaRPr lang="en-US"/>
           </a:p>
@@ -3806,7 +3806,7 @@
           <a:p>
             <a:fld id="{97CDF0AD-D920-438C-ADA9-2E79635E5003}" type="datetimeFigureOut">
               <a:rPr lang="en-US" smtClean="0"/>
-              <a:t>11/28/2017</a:t>
+              <a:t>11/28/17</a:t>
             </a:fld>
             <a:endParaRPr lang="en-US"/>
           </a:p>
@@ -4058,7 +4058,7 @@
           <a:p>
             <a:fld id="{97CDF0AD-D920-438C-ADA9-2E79635E5003}" type="datetimeFigureOut">
               <a:rPr lang="en-US" smtClean="0"/>
-              <a:t>11/28/2017</a:t>
+              <a:t>11/28/17</a:t>
             </a:fld>
             <a:endParaRPr lang="en-US"/>
           </a:p>
@@ -4269,7 +4269,7 @@
           <a:p>
             <a:fld id="{97CDF0AD-D920-438C-ADA9-2E79635E5003}" type="datetimeFigureOut">
               <a:rPr lang="en-US" smtClean="0"/>
-              <a:t>11/28/2017</a:t>
+              <a:t>11/28/17</a:t>
             </a:fld>
             <a:endParaRPr lang="en-US"/>
           </a:p>
@@ -10106,7 +10106,7 @@
         </p:spPr>
         <p:txBody>
           <a:bodyPr>
-            <a:normAutofit lnSpcReduction="10000"/>
+            <a:normAutofit/>
           </a:bodyPr>
           <a:lstStyle/>
           <a:p>
@@ -16437,6 +16437,30 @@
               </a:rPr>
               <a:t> </a:t>
             </a:r>
+            <a:r>
+              <a:rPr lang="en-US" altLang="zh-CN" sz="2600" dirty="0" smtClean="0">
+                <a:solidFill>
+                  <a:srgbClr val="056887"/>
+                </a:solidFill>
+              </a:rPr>
+              <a:t>public</a:t>
+            </a:r>
+            <a:r>
+              <a:rPr lang="zh-CN" altLang="en-US" sz="2600" dirty="0" smtClean="0">
+                <a:solidFill>
+                  <a:srgbClr val="056887"/>
+                </a:solidFill>
+              </a:rPr>
+              <a:t> </a:t>
+            </a:r>
+            <a:r>
+              <a:rPr lang="en-US" altLang="zh-CN" sz="2600" dirty="0" smtClean="0">
+                <a:solidFill>
+                  <a:srgbClr val="056887"/>
+                </a:solidFill>
+              </a:rPr>
+              <a:t>praise</a:t>
+            </a:r>
             <a:endParaRPr lang="en-US" sz="2600" dirty="0">
               <a:solidFill>
                 <a:srgbClr val="056887"/>
@@ -16488,12 +16512,36 @@
               <a:t>A categorical dependent variable was created using IMDB score – if </a:t>
             </a:r>
             <a:r>
-              <a:rPr lang="en-US" dirty="0" err="1">
-                <a:solidFill>
-                  <a:srgbClr val="056887"/>
-                </a:solidFill>
-              </a:rPr>
-              <a:t>IMDB_score</a:t>
+              <a:rPr lang="en-US" dirty="0" err="1" smtClean="0">
+                <a:solidFill>
+                  <a:srgbClr val="056887"/>
+                </a:solidFill>
+              </a:rPr>
+              <a:t>IMD</a:t>
+            </a:r>
+            <a:r>
+              <a:rPr lang="en-US" altLang="zh-CN" dirty="0" err="1" smtClean="0">
+                <a:solidFill>
+                  <a:srgbClr val="056887"/>
+                </a:solidFill>
+              </a:rPr>
+              <a:t>b</a:t>
+            </a:r>
+            <a:r>
+              <a:rPr lang="en-US" dirty="0" err="1" smtClean="0">
+                <a:solidFill>
+                  <a:srgbClr val="056887"/>
+                </a:solidFill>
+              </a:rPr>
+              <a:t>_score</a:t>
+            </a:r>
+            <a:r>
+              <a:rPr lang="en-US" dirty="0" smtClean="0">
+                <a:solidFill>
+                  <a:srgbClr val="056887"/>
+                </a:solidFill>
+              </a:rPr>
+              <a:t> </a:t>
             </a:r>
             <a:r>
               <a:rPr lang="en-US" dirty="0">
@@ -16501,7 +16549,7 @@
                   <a:srgbClr val="056887"/>
                 </a:solidFill>
               </a:rPr>
-              <a:t> &gt;= 7, value = 1, otherwise value = 0.</a:t>
+              <a:t>&gt;= 7, value = 1, otherwise value = 0.</a:t>
             </a:r>
           </a:p>
           <a:p>
@@ -16800,7 +16848,7 @@
           <p:cNvPr id="2" name="图片 1">
             <a:extLst>
               <a:ext uri="{FF2B5EF4-FFF2-40B4-BE49-F238E27FC236}">
-                <a16:creationId xmlns:a16="http://schemas.microsoft.com/office/drawing/2014/main" id="{74058CE2-4F0D-40B2-B495-04455ED594C2}"/>
+                <a16:creationId xmlns:a16="http://schemas.microsoft.com/office/drawing/2014/main" xmlns="" id="{74058CE2-4F0D-40B2-B495-04455ED594C2}"/>
               </a:ext>
             </a:extLst>
           </p:cNvPr>
@@ -16830,7 +16878,7 @@
           <p:cNvPr id="3" name="箭头: 右 2">
             <a:extLst>
               <a:ext uri="{FF2B5EF4-FFF2-40B4-BE49-F238E27FC236}">
-                <a16:creationId xmlns:a16="http://schemas.microsoft.com/office/drawing/2014/main" id="{7AFADE02-2E70-4C76-9AE5-1945EB21C3C3}"/>
+                <a16:creationId xmlns:a16="http://schemas.microsoft.com/office/drawing/2014/main" xmlns="" id="{7AFADE02-2E70-4C76-9AE5-1945EB21C3C3}"/>
               </a:ext>
             </a:extLst>
           </p:cNvPr>
@@ -16874,7 +16922,7 @@
           <p:cNvPr id="4" name="图片 3">
             <a:extLst>
               <a:ext uri="{FF2B5EF4-FFF2-40B4-BE49-F238E27FC236}">
-                <a16:creationId xmlns:a16="http://schemas.microsoft.com/office/drawing/2014/main" id="{F92ECD50-31FE-4085-9ECF-0145263F3DBB}"/>
+                <a16:creationId xmlns:a16="http://schemas.microsoft.com/office/drawing/2014/main" xmlns="" id="{F92ECD50-31FE-4085-9ECF-0145263F3DBB}"/>
               </a:ext>
             </a:extLst>
           </p:cNvPr>
@@ -17651,7 +17699,7 @@
           <p:cNvPr id="2" name="图片 1">
             <a:extLst>
               <a:ext uri="{FF2B5EF4-FFF2-40B4-BE49-F238E27FC236}">
-                <a16:creationId xmlns:a16="http://schemas.microsoft.com/office/drawing/2014/main" id="{2E3CEBE7-3B79-4D6C-8568-50B9B0A98ED6}"/>
+                <a16:creationId xmlns:a16="http://schemas.microsoft.com/office/drawing/2014/main" xmlns="" id="{2E3CEBE7-3B79-4D6C-8568-50B9B0A98ED6}"/>
               </a:ext>
             </a:extLst>
           </p:cNvPr>
@@ -17681,7 +17729,7 @@
           <p:cNvPr id="3" name="图片 2">
             <a:extLst>
               <a:ext uri="{FF2B5EF4-FFF2-40B4-BE49-F238E27FC236}">
-                <a16:creationId xmlns:a16="http://schemas.microsoft.com/office/drawing/2014/main" id="{09CD0423-1633-4FB6-B153-1AFA460DA6D3}"/>
+                <a16:creationId xmlns:a16="http://schemas.microsoft.com/office/drawing/2014/main" xmlns="" id="{09CD0423-1633-4FB6-B153-1AFA460DA6D3}"/>
               </a:ext>
             </a:extLst>
           </p:cNvPr>
@@ -17990,7 +18038,7 @@
           <p:cNvPr id="12" name="Group 6">
             <a:extLst>
               <a:ext uri="{FF2B5EF4-FFF2-40B4-BE49-F238E27FC236}">
-                <a16:creationId xmlns:a16="http://schemas.microsoft.com/office/drawing/2014/main" id="{AA4055C7-2060-4235-B00E-6564F785A5CE}"/>
+                <a16:creationId xmlns:a16="http://schemas.microsoft.com/office/drawing/2014/main" xmlns="" id="{AA4055C7-2060-4235-B00E-6564F785A5CE}"/>
               </a:ext>
             </a:extLst>
           </p:cNvPr>
@@ -18010,7 +18058,7 @@
             <p:cNvPr id="14" name="Picture 4">
               <a:extLst>
                 <a:ext uri="{FF2B5EF4-FFF2-40B4-BE49-F238E27FC236}">
-                  <a16:creationId xmlns:a16="http://schemas.microsoft.com/office/drawing/2014/main" id="{3076C321-0DC1-49BE-BE9E-FA505EB1335D}"/>
+                  <a16:creationId xmlns:a16="http://schemas.microsoft.com/office/drawing/2014/main" xmlns="" id="{3076C321-0DC1-49BE-BE9E-FA505EB1335D}"/>
                 </a:ext>
               </a:extLst>
             </p:cNvPr>
@@ -18040,7 +18088,7 @@
             <p:cNvPr id="15" name="Picture 5">
               <a:extLst>
                 <a:ext uri="{FF2B5EF4-FFF2-40B4-BE49-F238E27FC236}">
-                  <a16:creationId xmlns:a16="http://schemas.microsoft.com/office/drawing/2014/main" id="{7D88EEED-7C12-49D8-8C7F-68C59177F3CE}"/>
+                  <a16:creationId xmlns:a16="http://schemas.microsoft.com/office/drawing/2014/main" xmlns="" id="{7D88EEED-7C12-49D8-8C7F-68C59177F3CE}"/>
                 </a:ext>
               </a:extLst>
             </p:cNvPr>
@@ -18071,7 +18119,7 @@
           <p:cNvPr id="16" name="Picture 7">
             <a:extLst>
               <a:ext uri="{FF2B5EF4-FFF2-40B4-BE49-F238E27FC236}">
-                <a16:creationId xmlns:a16="http://schemas.microsoft.com/office/drawing/2014/main" id="{C88DAD36-C081-4EDE-9376-2FB90EC97A85}"/>
+                <a16:creationId xmlns:a16="http://schemas.microsoft.com/office/drawing/2014/main" xmlns="" id="{C88DAD36-C081-4EDE-9376-2FB90EC97A85}"/>
               </a:ext>
             </a:extLst>
           </p:cNvPr>

--- a/DSO-530 Final Project.pptx
+++ b/DSO-530 Final Project.pptx
@@ -223,7 +223,7 @@
           <a:p>
             <a:fld id="{7A468C07-0365-3D4F-87F9-091C0F7A7BA0}" type="datetimeFigureOut">
               <a:rPr lang="en-US" smtClean="0"/>
-              <a:t>11/28/17</a:t>
+              <a:t>11/28/2017</a:t>
             </a:fld>
             <a:endParaRPr lang="en-US"/>
           </a:p>
@@ -1953,7 +1953,7 @@
           <a:p>
             <a:fld id="{97CDF0AD-D920-438C-ADA9-2E79635E5003}" type="datetimeFigureOut">
               <a:rPr lang="en-US" smtClean="0"/>
-              <a:t>11/28/17</a:t>
+              <a:t>11/28/2017</a:t>
             </a:fld>
             <a:endParaRPr lang="en-US"/>
           </a:p>
@@ -2121,7 +2121,7 @@
           <a:p>
             <a:fld id="{97CDF0AD-D920-438C-ADA9-2E79635E5003}" type="datetimeFigureOut">
               <a:rPr lang="en-US" smtClean="0"/>
-              <a:t>11/28/17</a:t>
+              <a:t>11/28/2017</a:t>
             </a:fld>
             <a:endParaRPr lang="en-US"/>
           </a:p>
@@ -2299,7 +2299,7 @@
           <a:p>
             <a:fld id="{97CDF0AD-D920-438C-ADA9-2E79635E5003}" type="datetimeFigureOut">
               <a:rPr lang="en-US" smtClean="0"/>
-              <a:t>11/28/17</a:t>
+              <a:t>11/28/2017</a:t>
             </a:fld>
             <a:endParaRPr lang="en-US"/>
           </a:p>
@@ -2481,7 +2481,7 @@
           <a:p>
             <a:fld id="{97CDF0AD-D920-438C-ADA9-2E79635E5003}" type="datetimeFigureOut">
               <a:rPr lang="en-US" smtClean="0"/>
-              <a:t>11/28/17</a:t>
+              <a:t>11/28/2017</a:t>
             </a:fld>
             <a:endParaRPr lang="en-US"/>
           </a:p>
@@ -2726,7 +2726,7 @@
           <a:p>
             <a:fld id="{97CDF0AD-D920-438C-ADA9-2E79635E5003}" type="datetimeFigureOut">
               <a:rPr lang="en-US" smtClean="0"/>
-              <a:t>11/28/17</a:t>
+              <a:t>11/28/2017</a:t>
             </a:fld>
             <a:endParaRPr lang="en-US"/>
           </a:p>
@@ -2955,7 +2955,7 @@
           <a:p>
             <a:fld id="{97CDF0AD-D920-438C-ADA9-2E79635E5003}" type="datetimeFigureOut">
               <a:rPr lang="en-US" smtClean="0"/>
-              <a:t>11/28/17</a:t>
+              <a:t>11/28/2017</a:t>
             </a:fld>
             <a:endParaRPr lang="en-US"/>
           </a:p>
@@ -3319,7 +3319,7 @@
           <a:p>
             <a:fld id="{97CDF0AD-D920-438C-ADA9-2E79635E5003}" type="datetimeFigureOut">
               <a:rPr lang="en-US" smtClean="0"/>
-              <a:t>11/28/17</a:t>
+              <a:t>11/28/2017</a:t>
             </a:fld>
             <a:endParaRPr lang="en-US"/>
           </a:p>
@@ -3436,7 +3436,7 @@
           <a:p>
             <a:fld id="{97CDF0AD-D920-438C-ADA9-2E79635E5003}" type="datetimeFigureOut">
               <a:rPr lang="en-US" smtClean="0"/>
-              <a:t>11/28/17</a:t>
+              <a:t>11/28/2017</a:t>
             </a:fld>
             <a:endParaRPr lang="en-US"/>
           </a:p>
@@ -3531,7 +3531,7 @@
           <a:p>
             <a:fld id="{97CDF0AD-D920-438C-ADA9-2E79635E5003}" type="datetimeFigureOut">
               <a:rPr lang="en-US" smtClean="0"/>
-              <a:t>11/28/17</a:t>
+              <a:t>11/28/2017</a:t>
             </a:fld>
             <a:endParaRPr lang="en-US"/>
           </a:p>
@@ -3806,7 +3806,7 @@
           <a:p>
             <a:fld id="{97CDF0AD-D920-438C-ADA9-2E79635E5003}" type="datetimeFigureOut">
               <a:rPr lang="en-US" smtClean="0"/>
-              <a:t>11/28/17</a:t>
+              <a:t>11/28/2017</a:t>
             </a:fld>
             <a:endParaRPr lang="en-US"/>
           </a:p>
@@ -4058,7 +4058,7 @@
           <a:p>
             <a:fld id="{97CDF0AD-D920-438C-ADA9-2E79635E5003}" type="datetimeFigureOut">
               <a:rPr lang="en-US" smtClean="0"/>
-              <a:t>11/28/17</a:t>
+              <a:t>11/28/2017</a:t>
             </a:fld>
             <a:endParaRPr lang="en-US"/>
           </a:p>
@@ -4269,7 +4269,7 @@
           <a:p>
             <a:fld id="{97CDF0AD-D920-438C-ADA9-2E79635E5003}" type="datetimeFigureOut">
               <a:rPr lang="en-US" smtClean="0"/>
-              <a:t>11/28/17</a:t>
+              <a:t>11/28/2017</a:t>
             </a:fld>
             <a:endParaRPr lang="en-US"/>
           </a:p>
@@ -9987,7 +9987,7 @@
                   <a:srgbClr val="056887"/>
                 </a:solidFill>
               </a:rPr>
-              <a:t>Recommendations</a:t>
+              <a:t>Program Improvements</a:t>
             </a:r>
             <a:endParaRPr lang="en-US" sz="3200" b="1" dirty="0">
               <a:solidFill>
@@ -10106,7 +10106,7 @@
         </p:spPr>
         <p:txBody>
           <a:bodyPr>
-            <a:normAutofit/>
+            <a:normAutofit lnSpcReduction="10000"/>
           </a:bodyPr>
           <a:lstStyle/>
           <a:p>
@@ -16194,7 +16194,24 @@
                   <a:srgbClr val="056887"/>
                 </a:solidFill>
               </a:rPr>
-              <a:t> the other variables. </a:t>
+              <a:t> the other variables.</a:t>
+            </a:r>
+          </a:p>
+          <a:p>
+            <a:endParaRPr lang="en-US" dirty="0">
+              <a:solidFill>
+                <a:srgbClr val="056887"/>
+              </a:solidFill>
+            </a:endParaRPr>
+          </a:p>
+          <a:p>
+            <a:r>
+              <a:rPr lang="en-US" dirty="0">
+                <a:solidFill>
+                  <a:srgbClr val="056887"/>
+                </a:solidFill>
+              </a:rPr>
+              <a:t>To find insights in movie industry and  try to find profitable movie package for investors.</a:t>
             </a:r>
           </a:p>
         </p:txBody>
@@ -16438,7 +16455,7 @@
               <a:t> </a:t>
             </a:r>
             <a:r>
-              <a:rPr lang="en-US" altLang="zh-CN" sz="2600" dirty="0" smtClean="0">
+              <a:rPr lang="en-US" altLang="zh-CN" sz="2600" dirty="0">
                 <a:solidFill>
                   <a:srgbClr val="056887"/>
                 </a:solidFill>
@@ -16446,15 +16463,15 @@
               <a:t>public</a:t>
             </a:r>
             <a:r>
-              <a:rPr lang="zh-CN" altLang="en-US" sz="2600" dirty="0" smtClean="0">
-                <a:solidFill>
-                  <a:srgbClr val="056887"/>
-                </a:solidFill>
-              </a:rPr>
-              <a:t> </a:t>
-            </a:r>
-            <a:r>
-              <a:rPr lang="en-US" altLang="zh-CN" sz="2600" dirty="0" smtClean="0">
+              <a:rPr lang="zh-CN" altLang="en-US" sz="2600" dirty="0">
+                <a:solidFill>
+                  <a:srgbClr val="056887"/>
+                </a:solidFill>
+              </a:rPr>
+              <a:t> </a:t>
+            </a:r>
+            <a:r>
+              <a:rPr lang="en-US" altLang="zh-CN" sz="2600" dirty="0">
                 <a:solidFill>
                   <a:srgbClr val="056887"/>
                 </a:solidFill>
@@ -16512,7 +16529,7 @@
               <a:t>A categorical dependent variable was created using IMDB score – if </a:t>
             </a:r>
             <a:r>
-              <a:rPr lang="en-US" dirty="0" err="1" smtClean="0">
+              <a:rPr lang="en-US" dirty="0" err="1">
                 <a:solidFill>
                   <a:srgbClr val="056887"/>
                 </a:solidFill>
@@ -16520,7 +16537,7 @@
               <a:t>IMD</a:t>
             </a:r>
             <a:r>
-              <a:rPr lang="en-US" altLang="zh-CN" dirty="0" err="1" smtClean="0">
+              <a:rPr lang="en-US" altLang="zh-CN" dirty="0" err="1">
                 <a:solidFill>
                   <a:srgbClr val="056887"/>
                 </a:solidFill>
@@ -16528,7 +16545,7 @@
               <a:t>b</a:t>
             </a:r>
             <a:r>
-              <a:rPr lang="en-US" dirty="0" err="1" smtClean="0">
+              <a:rPr lang="en-US" dirty="0" err="1">
                 <a:solidFill>
                   <a:srgbClr val="056887"/>
                 </a:solidFill>
@@ -16536,20 +16553,12 @@
               <a:t>_score</a:t>
             </a:r>
             <a:r>
-              <a:rPr lang="en-US" dirty="0" smtClean="0">
-                <a:solidFill>
-                  <a:srgbClr val="056887"/>
-                </a:solidFill>
-              </a:rPr>
-              <a:t> </a:t>
-            </a:r>
-            <a:r>
               <a:rPr lang="en-US" dirty="0">
                 <a:solidFill>
                   <a:srgbClr val="056887"/>
                 </a:solidFill>
               </a:rPr>
-              <a:t>&gt;= 7, value = 1, otherwise value = 0.</a:t>
+              <a:t> &gt;= 7, value = 1, otherwise value = 0.</a:t>
             </a:r>
           </a:p>
           <a:p>
@@ -16848,7 +16857,7 @@
           <p:cNvPr id="2" name="图片 1">
             <a:extLst>
               <a:ext uri="{FF2B5EF4-FFF2-40B4-BE49-F238E27FC236}">
-                <a16:creationId xmlns:a16="http://schemas.microsoft.com/office/drawing/2014/main" xmlns="" id="{74058CE2-4F0D-40B2-B495-04455ED594C2}"/>
+                <a16:creationId xmlns:a16="http://schemas.microsoft.com/office/drawing/2014/main" id="{74058CE2-4F0D-40B2-B495-04455ED594C2}"/>
               </a:ext>
             </a:extLst>
           </p:cNvPr>
@@ -16878,7 +16887,7 @@
           <p:cNvPr id="3" name="箭头: 右 2">
             <a:extLst>
               <a:ext uri="{FF2B5EF4-FFF2-40B4-BE49-F238E27FC236}">
-                <a16:creationId xmlns:a16="http://schemas.microsoft.com/office/drawing/2014/main" xmlns="" id="{7AFADE02-2E70-4C76-9AE5-1945EB21C3C3}"/>
+                <a16:creationId xmlns:a16="http://schemas.microsoft.com/office/drawing/2014/main" id="{7AFADE02-2E70-4C76-9AE5-1945EB21C3C3}"/>
               </a:ext>
             </a:extLst>
           </p:cNvPr>
@@ -16922,7 +16931,7 @@
           <p:cNvPr id="4" name="图片 3">
             <a:extLst>
               <a:ext uri="{FF2B5EF4-FFF2-40B4-BE49-F238E27FC236}">
-                <a16:creationId xmlns:a16="http://schemas.microsoft.com/office/drawing/2014/main" xmlns="" id="{F92ECD50-31FE-4085-9ECF-0145263F3DBB}"/>
+                <a16:creationId xmlns:a16="http://schemas.microsoft.com/office/drawing/2014/main" id="{F92ECD50-31FE-4085-9ECF-0145263F3DBB}"/>
               </a:ext>
             </a:extLst>
           </p:cNvPr>
@@ -17699,7 +17708,7 @@
           <p:cNvPr id="2" name="图片 1">
             <a:extLst>
               <a:ext uri="{FF2B5EF4-FFF2-40B4-BE49-F238E27FC236}">
-                <a16:creationId xmlns:a16="http://schemas.microsoft.com/office/drawing/2014/main" xmlns="" id="{2E3CEBE7-3B79-4D6C-8568-50B9B0A98ED6}"/>
+                <a16:creationId xmlns:a16="http://schemas.microsoft.com/office/drawing/2014/main" id="{2E3CEBE7-3B79-4D6C-8568-50B9B0A98ED6}"/>
               </a:ext>
             </a:extLst>
           </p:cNvPr>
@@ -17729,7 +17738,7 @@
           <p:cNvPr id="3" name="图片 2">
             <a:extLst>
               <a:ext uri="{FF2B5EF4-FFF2-40B4-BE49-F238E27FC236}">
-                <a16:creationId xmlns:a16="http://schemas.microsoft.com/office/drawing/2014/main" xmlns="" id="{09CD0423-1633-4FB6-B153-1AFA460DA6D3}"/>
+                <a16:creationId xmlns:a16="http://schemas.microsoft.com/office/drawing/2014/main" id="{09CD0423-1633-4FB6-B153-1AFA460DA6D3}"/>
               </a:ext>
             </a:extLst>
           </p:cNvPr>
@@ -18038,7 +18047,7 @@
           <p:cNvPr id="12" name="Group 6">
             <a:extLst>
               <a:ext uri="{FF2B5EF4-FFF2-40B4-BE49-F238E27FC236}">
-                <a16:creationId xmlns:a16="http://schemas.microsoft.com/office/drawing/2014/main" xmlns="" id="{AA4055C7-2060-4235-B00E-6564F785A5CE}"/>
+                <a16:creationId xmlns:a16="http://schemas.microsoft.com/office/drawing/2014/main" id="{AA4055C7-2060-4235-B00E-6564F785A5CE}"/>
               </a:ext>
             </a:extLst>
           </p:cNvPr>
@@ -18058,7 +18067,7 @@
             <p:cNvPr id="14" name="Picture 4">
               <a:extLst>
                 <a:ext uri="{FF2B5EF4-FFF2-40B4-BE49-F238E27FC236}">
-                  <a16:creationId xmlns:a16="http://schemas.microsoft.com/office/drawing/2014/main" xmlns="" id="{3076C321-0DC1-49BE-BE9E-FA505EB1335D}"/>
+                  <a16:creationId xmlns:a16="http://schemas.microsoft.com/office/drawing/2014/main" id="{3076C321-0DC1-49BE-BE9E-FA505EB1335D}"/>
                 </a:ext>
               </a:extLst>
             </p:cNvPr>
@@ -18088,7 +18097,7 @@
             <p:cNvPr id="15" name="Picture 5">
               <a:extLst>
                 <a:ext uri="{FF2B5EF4-FFF2-40B4-BE49-F238E27FC236}">
-                  <a16:creationId xmlns:a16="http://schemas.microsoft.com/office/drawing/2014/main" xmlns="" id="{7D88EEED-7C12-49D8-8C7F-68C59177F3CE}"/>
+                  <a16:creationId xmlns:a16="http://schemas.microsoft.com/office/drawing/2014/main" id="{7D88EEED-7C12-49D8-8C7F-68C59177F3CE}"/>
                 </a:ext>
               </a:extLst>
             </p:cNvPr>
@@ -18119,7 +18128,7 @@
           <p:cNvPr id="16" name="Picture 7">
             <a:extLst>
               <a:ext uri="{FF2B5EF4-FFF2-40B4-BE49-F238E27FC236}">
-                <a16:creationId xmlns:a16="http://schemas.microsoft.com/office/drawing/2014/main" xmlns="" id="{C88DAD36-C081-4EDE-9376-2FB90EC97A85}"/>
+                <a16:creationId xmlns:a16="http://schemas.microsoft.com/office/drawing/2014/main" id="{C88DAD36-C081-4EDE-9376-2FB90EC97A85}"/>
               </a:ext>
             </a:extLst>
           </p:cNvPr>
